--- a/Final Project Presentation.pptx
+++ b/Final Project Presentation.pptx
@@ -6076,15 +6076,15 @@
 <file path=customXml/itemProps2.xml><?xml version="1.0" encoding="utf-8"?>
 <ds:datastoreItem xmlns:ds="http://schemas.openxmlformats.org/officeDocument/2006/customXml" ds:itemID="{0BFEC68E-2937-4D14-9A1E-17AB6676E675}">
   <ds:schemaRefs>
+    <ds:schemaRef ds:uri="http://purl.org/dc/elements/1.1/"/>
     <ds:schemaRef ds:uri="http://schemas.microsoft.com/office/2006/documentManagement/types"/>
+    <ds:schemaRef ds:uri="http://schemas.openxmlformats.org/package/2006/metadata/core-properties"/>
     <ds:schemaRef ds:uri="http://www.w3.org/XML/1998/namespace"/>
-    <ds:schemaRef ds:uri="http://schemas.openxmlformats.org/package/2006/metadata/core-properties"/>
-    <ds:schemaRef ds:uri="http://purl.org/dc/elements/1.1/"/>
+    <ds:schemaRef ds:uri="http://purl.org/dc/dcmitype/"/>
+    <ds:schemaRef ds:uri="http://schemas.microsoft.com/office/2006/metadata/properties"/>
+    <ds:schemaRef ds:uri="http://schemas.microsoft.com/office/infopath/2007/PartnerControls"/>
+    <ds:schemaRef ds:uri="6d33f078-875a-4769-b2f9-3934b62a2b18"/>
     <ds:schemaRef ds:uri="http://purl.org/dc/terms/"/>
-    <ds:schemaRef ds:uri="6d33f078-875a-4769-b2f9-3934b62a2b18"/>
-    <ds:schemaRef ds:uri="http://schemas.microsoft.com/office/infopath/2007/PartnerControls"/>
-    <ds:schemaRef ds:uri="http://schemas.microsoft.com/office/2006/metadata/properties"/>
-    <ds:schemaRef ds:uri="http://purl.org/dc/dcmitype/"/>
   </ds:schemaRefs>
 </ds:datastoreItem>
 </file>

--- a/Final Project Presentation.pptx
+++ b/Final Project Presentation.pptx
@@ -4636,22 +4636,67 @@
           <a:lstStyle/>
           <a:p>
             <a:r>
-              <a:rPr lang="x-none" dirty="0" err="1">
+              <a:rPr lang="en-US" dirty="0" smtClean="0">
                 <a:solidFill>
                   <a:srgbClr val="000000"/>
                 </a:solidFill>
                 <a:latin typeface="Arial"/>
               </a:rPr>
-              <a:t>Yihang</a:t>
-            </a:r>
-            <a:r>
-              <a:rPr lang="x-none" dirty="0">
+              <a:t>Yihang du, mike </a:t>
+            </a:r>
+            <a:r>
+              <a:rPr lang="en-US" dirty="0" err="1" smtClean="0">
                 <a:solidFill>
                   <a:srgbClr val="000000"/>
                 </a:solidFill>
                 <a:latin typeface="Arial"/>
               </a:rPr>
-              <a:t> Du, </a:t>
+              <a:t>zhang</a:t>
+            </a:r>
+            <a:r>
+              <a:rPr lang="en-US" dirty="0" smtClean="0">
+                <a:solidFill>
+                  <a:srgbClr val="000000"/>
+                </a:solidFill>
+                <a:latin typeface="Arial"/>
+              </a:rPr>
+              <a:t>, </a:t>
+            </a:r>
+            <a:r>
+              <a:rPr lang="en-US" dirty="0" err="1" smtClean="0">
+                <a:solidFill>
+                  <a:srgbClr val="000000"/>
+                </a:solidFill>
+                <a:latin typeface="Arial"/>
+              </a:rPr>
+              <a:t>chenhui</a:t>
+            </a:r>
+            <a:r>
+              <a:rPr lang="en-US" smtClean="0">
+                <a:solidFill>
+                  <a:srgbClr val="000000"/>
+                </a:solidFill>
+                <a:latin typeface="Arial"/>
+              </a:rPr>
+              <a:t> pan</a:t>
+            </a:r>
+            <a:r>
+              <a:rPr lang="x-none" smtClean="0">
+                <a:solidFill>
+                  <a:srgbClr val="000000"/>
+                </a:solidFill>
+                <a:latin typeface="Arial"/>
+              </a:rPr>
+              <a:t>Yihang </a:t>
+            </a:r>
+            <a:r>
+              <a:rPr lang="x-none" dirty="0">
+                <a:solidFill>
+                  <a:srgbClr val="000000"/>
+                </a:solidFill>
+                <a:latin typeface="Arial"/>
+              </a:rPr>
+              <a:t>Du, </a:t>
             </a:r>
             <a:r>
               <a:rPr lang="x-none" dirty="0" err="1">
@@ -4680,6 +4725,32 @@
               </a:rPr>
               <a:t>zhang</a:t>
             </a:r>
+          </a:p>
+        </p:txBody>
+      </p:sp>
+      <p:sp>
+        <p:nvSpPr>
+          <p:cNvPr id="4" name="TextBox 3"/>
+          <p:cNvSpPr txBox="1"/>
+          <p:nvPr/>
+        </p:nvSpPr>
+        <p:spPr>
+          <a:xfrm>
+            <a:off x="2804160" y="5273040"/>
+            <a:ext cx="184731" cy="369332"/>
+          </a:xfrm>
+          <a:prstGeom prst="rect">
+            <a:avLst/>
+          </a:prstGeom>
+          <a:noFill/>
+        </p:spPr>
+        <p:txBody>
+          <a:bodyPr wrap="none" rtlCol="0">
+            <a:spAutoFit/>
+          </a:bodyPr>
+          <a:lstStyle/>
+          <a:p>
+            <a:endParaRPr lang="en-US" dirty="0"/>
           </a:p>
         </p:txBody>
       </p:sp>
@@ -5893,6 +5964,21 @@
 </file>
 
 <file path=customXml/item1.xml><?xml version="1.0" encoding="utf-8"?>
+<p:properties xmlns:p="http://schemas.microsoft.com/office/2006/metadata/properties" xmlns:xsi="http://www.w3.org/2001/XMLSchema-instance" xmlns:pc="http://schemas.microsoft.com/office/infopath/2007/PartnerControls">
+  <documentManagement/>
+</p:properties>
+</file>
+
+<file path=customXml/item2.xml><?xml version="1.0" encoding="utf-8"?>
+<?mso-contentType ?>
+<FormTemplates xmlns="http://schemas.microsoft.com/sharepoint/v3/contenttype/forms">
+  <Display>DocumentLibraryForm</Display>
+  <Edit>DocumentLibraryForm</Edit>
+  <New>DocumentLibraryForm</New>
+</FormTemplates>
+</file>
+
+<file path=customXml/item3.xml><?xml version="1.0" encoding="utf-8"?>
 <ct:contentTypeSchema xmlns:ct="http://schemas.microsoft.com/office/2006/metadata/contentType" xmlns:ma="http://schemas.microsoft.com/office/2006/metadata/properties/metaAttributes" ct:_="" ma:_="" ma:contentTypeName="Document" ma:contentTypeID="0x010100912C9E142192E64D9D41D901DC6A7BF3" ma:contentTypeVersion="2" ma:contentTypeDescription="Create a new document." ma:contentTypeScope="" ma:versionID="39276582ce6d021d8b1ac99465695e0a">
   <xsd:schema xmlns:xsd="http://www.w3.org/2001/XMLSchema" xmlns:xs="http://www.w3.org/2001/XMLSchema" xmlns:p="http://schemas.microsoft.com/office/2006/metadata/properties" xmlns:ns2="6d33f078-875a-4769-b2f9-3934b62a2b18" targetNamespace="http://schemas.microsoft.com/office/2006/metadata/properties" ma:root="true" ma:fieldsID="a756a086db9fc7b9a9b3c3516eb2716c" ns2:_="">
     <xsd:import namespace="6d33f078-875a-4769-b2f9-3934b62a2b18"/>
@@ -6040,22 +6126,31 @@
 </ct:contentTypeSchema>
 </file>
 
-<file path=customXml/item2.xml><?xml version="1.0" encoding="utf-8"?>
-<p:properties xmlns:p="http://schemas.microsoft.com/office/2006/metadata/properties" xmlns:xsi="http://www.w3.org/2001/XMLSchema-instance" xmlns:pc="http://schemas.microsoft.com/office/infopath/2007/PartnerControls">
-  <documentManagement/>
-</p:properties>
+<file path=customXml/itemProps1.xml><?xml version="1.0" encoding="utf-8"?>
+<ds:datastoreItem xmlns:ds="http://schemas.openxmlformats.org/officeDocument/2006/customXml" ds:itemID="{0BFEC68E-2937-4D14-9A1E-17AB6676E675}">
+  <ds:schemaRefs>
+    <ds:schemaRef ds:uri="http://purl.org/dc/elements/1.1/"/>
+    <ds:schemaRef ds:uri="http://schemas.microsoft.com/office/2006/documentManagement/types"/>
+    <ds:schemaRef ds:uri="http://schemas.openxmlformats.org/package/2006/metadata/core-properties"/>
+    <ds:schemaRef ds:uri="http://www.w3.org/XML/1998/namespace"/>
+    <ds:schemaRef ds:uri="http://purl.org/dc/dcmitype/"/>
+    <ds:schemaRef ds:uri="http://schemas.microsoft.com/office/2006/metadata/properties"/>
+    <ds:schemaRef ds:uri="http://schemas.microsoft.com/office/infopath/2007/PartnerControls"/>
+    <ds:schemaRef ds:uri="6d33f078-875a-4769-b2f9-3934b62a2b18"/>
+    <ds:schemaRef ds:uri="http://purl.org/dc/terms/"/>
+  </ds:schemaRefs>
+</ds:datastoreItem>
 </file>
 
-<file path=customXml/item3.xml><?xml version="1.0" encoding="utf-8"?>
-<?mso-contentType ?>
-<FormTemplates xmlns="http://schemas.microsoft.com/sharepoint/v3/contenttype/forms">
-  <Display>DocumentLibraryForm</Display>
-  <Edit>DocumentLibraryForm</Edit>
-  <New>DocumentLibraryForm</New>
-</FormTemplates>
+<file path=customXml/itemProps2.xml><?xml version="1.0" encoding="utf-8"?>
+<ds:datastoreItem xmlns:ds="http://schemas.openxmlformats.org/officeDocument/2006/customXml" ds:itemID="{81522AD6-E0EE-4EC8-8824-DC99196A0F77}">
+  <ds:schemaRefs>
+    <ds:schemaRef ds:uri="http://schemas.microsoft.com/sharepoint/v3/contenttype/forms"/>
+  </ds:schemaRefs>
+</ds:datastoreItem>
 </file>
 
-<file path=customXml/itemProps1.xml><?xml version="1.0" encoding="utf-8"?>
+<file path=customXml/itemProps3.xml><?xml version="1.0" encoding="utf-8"?>
 <ds:datastoreItem xmlns:ds="http://schemas.openxmlformats.org/officeDocument/2006/customXml" ds:itemID="{42CBD2F9-E9F0-411D-B683-906549D67615}">
   <ds:schemaRefs>
     <ds:schemaRef ds:uri="http://schemas.microsoft.com/office/2006/metadata/contentType"/>
@@ -6071,28 +6166,4 @@
     <ds:schemaRef ds:uri="http://schemas.microsoft.com/internal/obd"/>
   </ds:schemaRefs>
 </ds:datastoreItem>
-</file>
-
-<file path=customXml/itemProps2.xml><?xml version="1.0" encoding="utf-8"?>
-<ds:datastoreItem xmlns:ds="http://schemas.openxmlformats.org/officeDocument/2006/customXml" ds:itemID="{0BFEC68E-2937-4D14-9A1E-17AB6676E675}">
-  <ds:schemaRefs>
-    <ds:schemaRef ds:uri="http://purl.org/dc/elements/1.1/"/>
-    <ds:schemaRef ds:uri="http://schemas.microsoft.com/office/2006/documentManagement/types"/>
-    <ds:schemaRef ds:uri="http://schemas.openxmlformats.org/package/2006/metadata/core-properties"/>
-    <ds:schemaRef ds:uri="http://www.w3.org/XML/1998/namespace"/>
-    <ds:schemaRef ds:uri="http://purl.org/dc/dcmitype/"/>
-    <ds:schemaRef ds:uri="http://schemas.microsoft.com/office/2006/metadata/properties"/>
-    <ds:schemaRef ds:uri="http://schemas.microsoft.com/office/infopath/2007/PartnerControls"/>
-    <ds:schemaRef ds:uri="6d33f078-875a-4769-b2f9-3934b62a2b18"/>
-    <ds:schemaRef ds:uri="http://purl.org/dc/terms/"/>
-  </ds:schemaRefs>
-</ds:datastoreItem>
-</file>
-
-<file path=customXml/itemProps3.xml><?xml version="1.0" encoding="utf-8"?>
-<ds:datastoreItem xmlns:ds="http://schemas.openxmlformats.org/officeDocument/2006/customXml" ds:itemID="{81522AD6-E0EE-4EC8-8824-DC99196A0F77}">
-  <ds:schemaRefs>
-    <ds:schemaRef ds:uri="http://schemas.microsoft.com/sharepoint/v3/contenttype/forms"/>
-  </ds:schemaRefs>
-</ds:datastoreItem>
 </file>